--- a/졸업작품 제안서/제안서191202ver.0.pptx
+++ b/졸업작품 제안서/제안서191202ver.0.pptx
@@ -269,7 +269,7 @@
           <a:p>
             <a:fld id="{8A8868C2-D0C9-4066-B588-9AADFE17EF3A}" type="datetimeFigureOut">
               <a:rPr lang="ko-KR" altLang="en-US" smtClean="0"/>
-              <a:t>2019-12-04</a:t>
+              <a:t>2019-12-05</a:t>
             </a:fld>
             <a:endParaRPr lang="ko-KR" altLang="en-US"/>
           </a:p>
@@ -467,7 +467,7 @@
           <a:p>
             <a:fld id="{8A8868C2-D0C9-4066-B588-9AADFE17EF3A}" type="datetimeFigureOut">
               <a:rPr lang="ko-KR" altLang="en-US" smtClean="0"/>
-              <a:t>2019-12-04</a:t>
+              <a:t>2019-12-05</a:t>
             </a:fld>
             <a:endParaRPr lang="ko-KR" altLang="en-US"/>
           </a:p>
@@ -675,7 +675,7 @@
           <a:p>
             <a:fld id="{8A8868C2-D0C9-4066-B588-9AADFE17EF3A}" type="datetimeFigureOut">
               <a:rPr lang="ko-KR" altLang="en-US" smtClean="0"/>
-              <a:t>2019-12-04</a:t>
+              <a:t>2019-12-05</a:t>
             </a:fld>
             <a:endParaRPr lang="ko-KR" altLang="en-US"/>
           </a:p>
@@ -873,7 +873,7 @@
           <a:p>
             <a:fld id="{8A8868C2-D0C9-4066-B588-9AADFE17EF3A}" type="datetimeFigureOut">
               <a:rPr lang="ko-KR" altLang="en-US" smtClean="0"/>
-              <a:t>2019-12-04</a:t>
+              <a:t>2019-12-05</a:t>
             </a:fld>
             <a:endParaRPr lang="ko-KR" altLang="en-US"/>
           </a:p>
@@ -1148,7 +1148,7 @@
           <a:p>
             <a:fld id="{8A8868C2-D0C9-4066-B588-9AADFE17EF3A}" type="datetimeFigureOut">
               <a:rPr lang="ko-KR" altLang="en-US" smtClean="0"/>
-              <a:t>2019-12-04</a:t>
+              <a:t>2019-12-05</a:t>
             </a:fld>
             <a:endParaRPr lang="ko-KR" altLang="en-US"/>
           </a:p>
@@ -1413,7 +1413,7 @@
           <a:p>
             <a:fld id="{8A8868C2-D0C9-4066-B588-9AADFE17EF3A}" type="datetimeFigureOut">
               <a:rPr lang="ko-KR" altLang="en-US" smtClean="0"/>
-              <a:t>2019-12-04</a:t>
+              <a:t>2019-12-05</a:t>
             </a:fld>
             <a:endParaRPr lang="ko-KR" altLang="en-US"/>
           </a:p>
@@ -1825,7 +1825,7 @@
           <a:p>
             <a:fld id="{8A8868C2-D0C9-4066-B588-9AADFE17EF3A}" type="datetimeFigureOut">
               <a:rPr lang="ko-KR" altLang="en-US" smtClean="0"/>
-              <a:t>2019-12-04</a:t>
+              <a:t>2019-12-05</a:t>
             </a:fld>
             <a:endParaRPr lang="ko-KR" altLang="en-US"/>
           </a:p>
@@ -1966,7 +1966,7 @@
           <a:p>
             <a:fld id="{8A8868C2-D0C9-4066-B588-9AADFE17EF3A}" type="datetimeFigureOut">
               <a:rPr lang="ko-KR" altLang="en-US" smtClean="0"/>
-              <a:t>2019-12-04</a:t>
+              <a:t>2019-12-05</a:t>
             </a:fld>
             <a:endParaRPr lang="ko-KR" altLang="en-US"/>
           </a:p>
@@ -2079,7 +2079,7 @@
           <a:p>
             <a:fld id="{8A8868C2-D0C9-4066-B588-9AADFE17EF3A}" type="datetimeFigureOut">
               <a:rPr lang="ko-KR" altLang="en-US" smtClean="0"/>
-              <a:t>2019-12-04</a:t>
+              <a:t>2019-12-05</a:t>
             </a:fld>
             <a:endParaRPr lang="ko-KR" altLang="en-US"/>
           </a:p>
@@ -2390,7 +2390,7 @@
           <a:p>
             <a:fld id="{8A8868C2-D0C9-4066-B588-9AADFE17EF3A}" type="datetimeFigureOut">
               <a:rPr lang="ko-KR" altLang="en-US" smtClean="0"/>
-              <a:t>2019-12-04</a:t>
+              <a:t>2019-12-05</a:t>
             </a:fld>
             <a:endParaRPr lang="ko-KR" altLang="en-US"/>
           </a:p>
@@ -2678,7 +2678,7 @@
           <a:p>
             <a:fld id="{8A8868C2-D0C9-4066-B588-9AADFE17EF3A}" type="datetimeFigureOut">
               <a:rPr lang="ko-KR" altLang="en-US" smtClean="0"/>
-              <a:t>2019-12-04</a:t>
+              <a:t>2019-12-05</a:t>
             </a:fld>
             <a:endParaRPr lang="ko-KR" altLang="en-US"/>
           </a:p>
@@ -2919,7 +2919,7 @@
           <a:p>
             <a:fld id="{8A8868C2-D0C9-4066-B588-9AADFE17EF3A}" type="datetimeFigureOut">
               <a:rPr lang="ko-KR" altLang="en-US" smtClean="0"/>
-              <a:t>2019-12-04</a:t>
+              <a:t>2019-12-05</a:t>
             </a:fld>
             <a:endParaRPr lang="ko-KR" altLang="en-US"/>
           </a:p>
